--- a/Day1/Day1 - Frontend Dev Basics.pptx
+++ b/Day1/Day1 - Frontend Dev Basics.pptx
@@ -134,7 +134,7 @@
   </p:defaultTextStyle>
   <p:extLst>
     <p:ext uri="{EFAFB233-063F-42B5-8137-9DF3F51BA10A}">
-      <p15:sldGuideLst xmlns:p15="http://schemas.microsoft.com/office/powerpoint/2012/main">
+      <p15:sldGuideLst xmlns:p15="http://schemas.microsoft.com/office/powerpoint/2012/main" xmlns="">
         <p15:guide id="1" orient="horz" pos="2160">
           <p15:clr>
             <a:srgbClr val="A4A3A4"/>
@@ -238,7 +238,7 @@
           <a:p>
             <a:fld id="{4F94E7C4-328C-457B-8CA2-EE381C323794}" type="datetimeFigureOut">
               <a:rPr lang="en-US" smtClean="0"/>
-              <a:t>6/22/2016</a:t>
+              <a:t>6/26/2017</a:t>
             </a:fld>
             <a:endParaRPr lang="en-US"/>
           </a:p>
@@ -2462,7 +2462,7 @@
             <a:fld id="{0DDD1723-F08C-BC4A-A158-087EDAF93B47}" type="datetimeFigureOut">
               <a:rPr lang="en-US"/>
               <a:pPr/>
-              <a:t>6/22/2016</a:t>
+              <a:t>6/26/2017</a:t>
             </a:fld>
             <a:endParaRPr lang="en-US"/>
           </a:p>
@@ -3821,13 +3821,8 @@
             </a:pPr>
             <a:r>
               <a:rPr lang="en-US" sz="1600" dirty="0" smtClean="0"/>
-              <a:t>Language for formatting HTML </a:t>
-            </a:r>
-            <a:r>
-              <a:rPr lang="en-US" sz="1600" dirty="0" smtClean="0"/>
-              <a:t>elements</a:t>
-            </a:r>
-            <a:endParaRPr lang="en-US" sz="1600" dirty="0" smtClean="0"/>
+              <a:t>Language for formatting HTML elements</a:t>
+            </a:r>
           </a:p>
           <a:p>
             <a:pPr marL="742950" lvl="1" indent="-285750">
@@ -7073,74 +7068,17 @@
             </a:r>
           </a:p>
           <a:p>
-            <a:pPr marL="1200150" lvl="2" indent="-285750">
-              <a:buFont typeface="Arial" panose="020B0604020202020204" pitchFamily="34" charset="0"/>
-              <a:buChar char="•"/>
-            </a:pPr>
-            <a:r>
-              <a:rPr lang="en-US" sz="1600" dirty="0" err="1">
-                <a:sym typeface="Wingdings" panose="05000000000000000000" pitchFamily="2" charset="2"/>
-              </a:rPr>
-              <a:t>v</a:t>
-            </a:r>
-            <a:r>
-              <a:rPr lang="en-US" sz="1600" dirty="0" err="1" smtClean="0">
-                <a:sym typeface="Wingdings" panose="05000000000000000000" pitchFamily="2" charset="2"/>
-              </a:rPr>
-              <a:t>ar</a:t>
-            </a:r>
-            <a:r>
-              <a:rPr lang="en-US" sz="1600" dirty="0" smtClean="0">
-                <a:sym typeface="Wingdings" panose="05000000000000000000" pitchFamily="2" charset="2"/>
-              </a:rPr>
-              <a:t> </a:t>
-            </a:r>
-            <a:r>
-              <a:rPr lang="en-US" sz="1600" dirty="0" err="1" smtClean="0">
-                <a:sym typeface="Wingdings" panose="05000000000000000000" pitchFamily="2" charset="2"/>
-              </a:rPr>
-              <a:t>myF</a:t>
-            </a:r>
-            <a:r>
-              <a:rPr lang="en-US" sz="1600" dirty="0" smtClean="0">
-                <a:sym typeface="Wingdings" panose="05000000000000000000" pitchFamily="2" charset="2"/>
-              </a:rPr>
-              <a:t> = function </a:t>
-            </a:r>
-            <a:r>
-              <a:rPr lang="en-US" sz="1600" dirty="0" err="1" smtClean="0">
-                <a:sym typeface="Wingdings" panose="05000000000000000000" pitchFamily="2" charset="2"/>
-              </a:rPr>
-              <a:t>myF</a:t>
-            </a:r>
-            <a:r>
-              <a:rPr lang="en-US" sz="1600" dirty="0" smtClean="0">
-                <a:sym typeface="Wingdings" panose="05000000000000000000" pitchFamily="2" charset="2"/>
-              </a:rPr>
-              <a:t>(</a:t>
-            </a:r>
-            <a:r>
-              <a:rPr lang="en-US" sz="1600" dirty="0" err="1" smtClean="0">
-                <a:sym typeface="Wingdings" panose="05000000000000000000" pitchFamily="2" charset="2"/>
-              </a:rPr>
-              <a:t>params</a:t>
-            </a:r>
-            <a:r>
-              <a:rPr lang="en-US" sz="1600" dirty="0" smtClean="0">
-                <a:sym typeface="Wingdings" panose="05000000000000000000" pitchFamily="2" charset="2"/>
-              </a:rPr>
-              <a:t>){… return value;}; -&gt; named function</a:t>
-            </a:r>
-            <a:endParaRPr lang="en-US" sz="1600" dirty="0"/>
-          </a:p>
-          <a:p>
             <a:pPr marL="742950" lvl="1" indent="-285750">
               <a:buFont typeface="Arial" panose="020B0604020202020204" pitchFamily="34" charset="0"/>
               <a:buChar char="•"/>
             </a:pPr>
             <a:r>
+              <a:rPr lang="en-US" sz="1600" smtClean="0"/>
+              <a:t>Calling</a:t>
+            </a:r>
+            <a:r>
               <a:rPr lang="en-US" sz="1600" dirty="0" smtClean="0"/>
-              <a:t>Calling:</a:t>
+              <a:t>:</a:t>
             </a:r>
           </a:p>
           <a:p>
@@ -10514,6 +10452,24 @@
 </file>
 
 <file path=customXml/item1.xml><?xml version="1.0" encoding="utf-8"?>
+<p:properties xmlns:p="http://schemas.microsoft.com/office/2006/metadata/properties" xmlns:xsi="http://www.w3.org/2001/XMLSchema-instance" xmlns:pc="http://schemas.microsoft.com/office/infopath/2007/PartnerControls">
+  <documentManagement>
+    <PublishingExpirationDate xmlns="http://schemas.microsoft.com/sharepoint/v3" xsi:nil="true"/>
+    <PublishingStartDate xmlns="http://schemas.microsoft.com/sharepoint/v3" xsi:nil="true"/>
+  </documentManagement>
+</p:properties>
+</file>
+
+<file path=customXml/item2.xml><?xml version="1.0" encoding="utf-8"?>
+<?mso-contentType ?>
+<FormTemplates xmlns="http://schemas.microsoft.com/sharepoint/v3/contenttype/forms">
+  <Display>DocumentLibraryForm</Display>
+  <Edit>DocumentLibraryForm</Edit>
+  <New>DocumentLibraryForm</New>
+</FormTemplates>
+</file>
+
+<file path=customXml/item3.xml><?xml version="1.0" encoding="utf-8"?>
 <ct:contentTypeSchema xmlns:ct="http://schemas.microsoft.com/office/2006/metadata/contentType" xmlns:ma="http://schemas.microsoft.com/office/2006/metadata/properties/metaAttributes" ct:_="" ma:_="" ma:contentTypeName="Document" ma:contentTypeID="0x0101002EAB9993CCBF73478E12853278F3FB5C" ma:contentTypeVersion="1" ma:contentTypeDescription="Create a new document." ma:contentTypeScope="" ma:versionID="4db10d317033d09fed4d0297d17c663a">
   <xsd:schema xmlns:xsd="http://www.w3.org/2001/XMLSchema" xmlns:xs="http://www.w3.org/2001/XMLSchema" xmlns:p="http://schemas.microsoft.com/office/2006/metadata/properties" xmlns:ns1="http://schemas.microsoft.com/sharepoint/v3" targetNamespace="http://schemas.microsoft.com/office/2006/metadata/properties" ma:root="true" ma:fieldsID="48c5b5cd9b8d25ff6dd15848836f4270" ns1:_="">
     <xsd:import namespace="http://schemas.microsoft.com/sharepoint/v3"/>
@@ -10645,25 +10601,31 @@
 </ct:contentTypeSchema>
 </file>
 
-<file path=customXml/item2.xml><?xml version="1.0" encoding="utf-8"?>
-<?mso-contentType ?>
-<FormTemplates xmlns="http://schemas.microsoft.com/sharepoint/v3/contenttype/forms">
-  <Display>DocumentLibraryForm</Display>
-  <Edit>DocumentLibraryForm</Edit>
-  <New>DocumentLibraryForm</New>
-</FormTemplates>
+<file path=customXml/itemProps1.xml><?xml version="1.0" encoding="utf-8"?>
+<ds:datastoreItem xmlns:ds="http://schemas.openxmlformats.org/officeDocument/2006/customXml" ds:itemID="{C1424CC9-255C-4972-B5F2-6F19B32F3DEA}">
+  <ds:schemaRefs>
+    <ds:schemaRef ds:uri="http://purl.org/dc/terms/"/>
+    <ds:schemaRef ds:uri="http://purl.org/dc/elements/1.1/"/>
+    <ds:schemaRef ds:uri="http://schemas.microsoft.com/office/infopath/2007/PartnerControls"/>
+    <ds:schemaRef ds:uri="http://schemas.microsoft.com/office/2006/documentManagement/types"/>
+    <ds:schemaRef ds:uri="http://schemas.openxmlformats.org/package/2006/metadata/core-properties"/>
+    <ds:schemaRef ds:uri="http://schemas.microsoft.com/sharepoint/v3"/>
+    <ds:schemaRef ds:uri="http://schemas.microsoft.com/office/2006/metadata/properties"/>
+    <ds:schemaRef ds:uri="http://www.w3.org/XML/1998/namespace"/>
+    <ds:schemaRef ds:uri="http://purl.org/dc/dcmitype/"/>
+  </ds:schemaRefs>
+</ds:datastoreItem>
 </file>
 
-<file path=customXml/item3.xml><?xml version="1.0" encoding="utf-8"?>
-<p:properties xmlns:p="http://schemas.microsoft.com/office/2006/metadata/properties" xmlns:xsi="http://www.w3.org/2001/XMLSchema-instance" xmlns:pc="http://schemas.microsoft.com/office/infopath/2007/PartnerControls">
-  <documentManagement>
-    <PublishingExpirationDate xmlns="http://schemas.microsoft.com/sharepoint/v3" xsi:nil="true"/>
-    <PublishingStartDate xmlns="http://schemas.microsoft.com/sharepoint/v3" xsi:nil="true"/>
-  </documentManagement>
-</p:properties>
+<file path=customXml/itemProps2.xml><?xml version="1.0" encoding="utf-8"?>
+<ds:datastoreItem xmlns:ds="http://schemas.openxmlformats.org/officeDocument/2006/customXml" ds:itemID="{B3E8851E-A513-4DE1-BFEA-60B7444A3522}">
+  <ds:schemaRefs>
+    <ds:schemaRef ds:uri="http://schemas.microsoft.com/sharepoint/v3/contenttype/forms"/>
+  </ds:schemaRefs>
+</ds:datastoreItem>
 </file>
 
-<file path=customXml/itemProps1.xml><?xml version="1.0" encoding="utf-8"?>
+<file path=customXml/itemProps3.xml><?xml version="1.0" encoding="utf-8"?>
 <ds:datastoreItem xmlns:ds="http://schemas.openxmlformats.org/officeDocument/2006/customXml" ds:itemID="{E29AC310-E4D3-4181-8DC8-8BCBD631C9E0}">
   <ds:schemaRefs>
     <ds:schemaRef ds:uri="http://schemas.microsoft.com/office/2006/metadata/contentType"/>
@@ -10679,28 +10641,4 @@
     <ds:schemaRef ds:uri="http://schemas.microsoft.com/internal/obd"/>
   </ds:schemaRefs>
 </ds:datastoreItem>
-</file>
-
-<file path=customXml/itemProps2.xml><?xml version="1.0" encoding="utf-8"?>
-<ds:datastoreItem xmlns:ds="http://schemas.openxmlformats.org/officeDocument/2006/customXml" ds:itemID="{B3E8851E-A513-4DE1-BFEA-60B7444A3522}">
-  <ds:schemaRefs>
-    <ds:schemaRef ds:uri="http://schemas.microsoft.com/sharepoint/v3/contenttype/forms"/>
-  </ds:schemaRefs>
-</ds:datastoreItem>
-</file>
-
-<file path=customXml/itemProps3.xml><?xml version="1.0" encoding="utf-8"?>
-<ds:datastoreItem xmlns:ds="http://schemas.openxmlformats.org/officeDocument/2006/customXml" ds:itemID="{C1424CC9-255C-4972-B5F2-6F19B32F3DEA}">
-  <ds:schemaRefs>
-    <ds:schemaRef ds:uri="http://purl.org/dc/terms/"/>
-    <ds:schemaRef ds:uri="http://purl.org/dc/elements/1.1/"/>
-    <ds:schemaRef ds:uri="http://schemas.microsoft.com/office/infopath/2007/PartnerControls"/>
-    <ds:schemaRef ds:uri="http://schemas.microsoft.com/office/2006/documentManagement/types"/>
-    <ds:schemaRef ds:uri="http://schemas.openxmlformats.org/package/2006/metadata/core-properties"/>
-    <ds:schemaRef ds:uri="http://schemas.microsoft.com/sharepoint/v3"/>
-    <ds:schemaRef ds:uri="http://schemas.microsoft.com/office/2006/metadata/properties"/>
-    <ds:schemaRef ds:uri="http://www.w3.org/XML/1998/namespace"/>
-    <ds:schemaRef ds:uri="http://purl.org/dc/dcmitype/"/>
-  </ds:schemaRefs>
-</ds:datastoreItem>
 </file>